--- a/xforms/xforms-lecture-madagascar.pptx
+++ b/xforms/xforms-lecture-madagascar.pptx
@@ -233,7 +233,7 @@
           <a:p>
             <a:fld id="{166F3D15-2221-994F-BE1E-385FFCA4CA45}" type="datetimeFigureOut">
               <a:rPr lang="en-US" smtClean="0"/>
-              <a:t>5/4/18</a:t>
+              <a:t>5/9/18</a:t>
             </a:fld>
             <a:endParaRPr lang="en-US"/>
           </a:p>
@@ -817,7 +817,7 @@
           <a:p>
             <a:fld id="{0F65E7A5-B612-4D4F-B640-BE31F16B4FB0}" type="datetime1">
               <a:rPr lang="en-GB" smtClean="0"/>
-              <a:t>04/05/2018</a:t>
+              <a:t>09/05/2018</a:t>
             </a:fld>
             <a:endParaRPr lang="en-US"/>
           </a:p>
@@ -1027,7 +1027,7 @@
           <a:p>
             <a:fld id="{FD6BFEB4-39E7-184D-872D-FA021A59DBA9}" type="datetime1">
               <a:rPr lang="en-GB" smtClean="0"/>
-              <a:t>04/05/2018</a:t>
+              <a:t>09/05/2018</a:t>
             </a:fld>
             <a:endParaRPr lang="en-US"/>
           </a:p>
@@ -1207,7 +1207,7 @@
           <a:p>
             <a:fld id="{AEDF718F-868F-5040-A4E0-6FBD26A3A32B}" type="datetime1">
               <a:rPr lang="en-GB" smtClean="0"/>
-              <a:t>04/05/2018</a:t>
+              <a:t>09/05/2018</a:t>
             </a:fld>
             <a:endParaRPr lang="en-US"/>
           </a:p>
@@ -1478,7 +1478,7 @@
           <a:p>
             <a:fld id="{BEF21D05-F60B-1041-A6E1-DF0390787BF6}" type="datetime1">
               <a:rPr lang="en-GB" smtClean="0"/>
-              <a:t>04/05/2018</a:t>
+              <a:t>09/05/2018</a:t>
             </a:fld>
             <a:endParaRPr lang="en-US"/>
           </a:p>
@@ -1733,7 +1733,7 @@
           <a:p>
             <a:fld id="{77AB0720-8B32-6040-ACFB-A6E862CAD30B}" type="datetime1">
               <a:rPr lang="en-GB" smtClean="0"/>
-              <a:t>04/05/2018</a:t>
+              <a:t>09/05/2018</a:t>
             </a:fld>
             <a:endParaRPr lang="en-US"/>
           </a:p>
@@ -1965,7 +1965,7 @@
           <a:p>
             <a:fld id="{1D627765-7CF8-4545-8143-178DC5A4E228}" type="datetime1">
               <a:rPr lang="en-GB" smtClean="0"/>
-              <a:t>04/05/2018</a:t>
+              <a:t>09/05/2018</a:t>
             </a:fld>
             <a:endParaRPr lang="en-US"/>
           </a:p>
@@ -2332,7 +2332,7 @@
           <a:p>
             <a:fld id="{F83852C3-6EDE-EE48-A923-BF38F6C8990C}" type="datetime1">
               <a:rPr lang="en-GB" smtClean="0"/>
-              <a:t>04/05/2018</a:t>
+              <a:t>09/05/2018</a:t>
             </a:fld>
             <a:endParaRPr lang="en-US"/>
           </a:p>
@@ -2450,7 +2450,7 @@
           <a:p>
             <a:fld id="{36D01819-06F0-074C-925C-D30B5550B730}" type="datetime1">
               <a:rPr lang="en-GB" smtClean="0"/>
-              <a:t>04/05/2018</a:t>
+              <a:t>09/05/2018</a:t>
             </a:fld>
             <a:endParaRPr lang="en-US"/>
           </a:p>
@@ -2545,7 +2545,7 @@
           <a:p>
             <a:fld id="{D80A53E4-53F7-3F49-9A05-947B48DEB811}" type="datetime1">
               <a:rPr lang="en-GB" smtClean="0"/>
-              <a:t>04/05/2018</a:t>
+              <a:t>09/05/2018</a:t>
             </a:fld>
             <a:endParaRPr lang="en-US"/>
           </a:p>
@@ -2822,7 +2822,7 @@
           <a:p>
             <a:fld id="{BAB3D78C-E2A5-A048-BFD9-8D45030A20AB}" type="datetime1">
               <a:rPr lang="en-GB" smtClean="0"/>
-              <a:t>04/05/2018</a:t>
+              <a:t>09/05/2018</a:t>
             </a:fld>
             <a:endParaRPr lang="en-US"/>
           </a:p>
@@ -3079,7 +3079,7 @@
           <a:p>
             <a:fld id="{9A540169-DBD5-D34D-A61B-8AF4CEFBDA3B}" type="datetime1">
               <a:rPr lang="en-GB" smtClean="0"/>
-              <a:t>04/05/2018</a:t>
+              <a:t>09/05/2018</a:t>
             </a:fld>
             <a:endParaRPr lang="en-US"/>
           </a:p>
@@ -3295,7 +3295,7 @@
           <a:p>
             <a:fld id="{0EFA759D-48B9-3640-8CD7-12E57DD9A73F}" type="datetime1">
               <a:rPr lang="en-GB" smtClean="0"/>
-              <a:t>04/05/2018</a:t>
+              <a:t>09/05/2018</a:t>
             </a:fld>
             <a:endParaRPr lang="en-US"/>
           </a:p>
@@ -11171,6 +11171,90 @@
           </a:p>
         </p:txBody>
       </p:sp>
+      <p:sp>
+        <p:nvSpPr>
+          <p:cNvPr id="5" name="Rectangle 4">
+            <a:extLst>
+              <a:ext uri="{FF2B5EF4-FFF2-40B4-BE49-F238E27FC236}">
+                <a16:creationId xmlns:a16="http://schemas.microsoft.com/office/drawing/2014/main" id="{917EB9B7-14F7-A045-A4D2-3168188386A8}"/>
+              </a:ext>
+            </a:extLst>
+          </p:cNvPr>
+          <p:cNvSpPr/>
+          <p:nvPr/>
+        </p:nvSpPr>
+        <p:spPr>
+          <a:xfrm>
+            <a:off x="880688" y="1432432"/>
+            <a:ext cx="7174977" cy="584775"/>
+          </a:xfrm>
+          <a:prstGeom prst="rect">
+            <a:avLst/>
+          </a:prstGeom>
+        </p:spPr>
+        <p:txBody>
+          <a:bodyPr wrap="none">
+            <a:spAutoFit/>
+          </a:bodyPr>
+          <a:lstStyle/>
+          <a:p>
+            <a:r>
+              <a:rPr lang="en-US" sz="3200" b="1" dirty="0">
+                <a:solidFill>
+                  <a:schemeClr val="bg1"/>
+                </a:solidFill>
+              </a:rPr>
+              <a:t>http://</a:t>
+            </a:r>
+            <a:r>
+              <a:rPr lang="en-US" sz="3200" b="1" dirty="0" err="1">
+                <a:solidFill>
+                  <a:schemeClr val="bg1"/>
+                </a:solidFill>
+              </a:rPr>
+              <a:t>xlsform.org</a:t>
+            </a:r>
+            <a:r>
+              <a:rPr lang="en-US" sz="3200" b="1" dirty="0">
+                <a:solidFill>
+                  <a:schemeClr val="bg1"/>
+                </a:solidFill>
+              </a:rPr>
+              <a:t>/#pre-loading-csv-data</a:t>
+            </a:r>
+          </a:p>
+        </p:txBody>
+      </p:sp>
+      <p:pic>
+        <p:nvPicPr>
+          <p:cNvPr id="7" name="Picture 6">
+            <a:extLst>
+              <a:ext uri="{FF2B5EF4-FFF2-40B4-BE49-F238E27FC236}">
+                <a16:creationId xmlns:a16="http://schemas.microsoft.com/office/drawing/2014/main" id="{910B2CDF-4389-714A-931B-1AA8E87A1FBE}"/>
+              </a:ext>
+            </a:extLst>
+          </p:cNvPr>
+          <p:cNvPicPr>
+            <a:picLocks noChangeAspect="1"/>
+          </p:cNvPicPr>
+          <p:nvPr/>
+        </p:nvPicPr>
+        <p:blipFill>
+          <a:blip r:embed="rId2"/>
+          <a:stretch>
+            <a:fillRect/>
+          </a:stretch>
+        </p:blipFill>
+        <p:spPr>
+          <a:xfrm>
+            <a:off x="1071331" y="2124076"/>
+            <a:ext cx="6984334" cy="3987900"/>
+          </a:xfrm>
+          <a:prstGeom prst="rect">
+            <a:avLst/>
+          </a:prstGeom>
+        </p:spPr>
+      </p:pic>
     </p:spTree>
     <p:extLst>
       <p:ext uri="{BB962C8B-B14F-4D97-AF65-F5344CB8AC3E}">
